--- a/Hamburg-Staatsballet/Programm/_Epilog/New.pptx
+++ b/Hamburg-Staatsballet/Programm/_Epilog/New.pptx
@@ -5,11 +5,10 @@
     <p:sldMasterId id="2147483660" r:id="rId1"/>
   </p:sldMasterIdLst>
   <p:notesMasterIdLst>
-    <p:notesMasterId r:id="rId4"/>
+    <p:notesMasterId r:id="rId3"/>
   </p:notesMasterIdLst>
   <p:sldIdLst>
-    <p:sldId id="490" r:id="rId2"/>
-    <p:sldId id="496" r:id="rId3"/>
+    <p:sldId id="488" r:id="rId2"/>
   </p:sldIdLst>
   <p:sldSz cx="9906000" cy="6858000" type="A4"/>
   <p:notesSz cx="6797675" cy="9926638"/>
@@ -209,7 +208,7 @@
           <a:p>
             <a:fld id="{1E980196-448A-481A-8A1B-A58FF56D8844}" type="datetimeFigureOut">
               <a:rPr lang="en-US" smtClean="0"/>
-              <a:t>9/22/23</a:t>
+              <a:t>11/10/23</a:t>
             </a:fld>
             <a:endParaRPr lang="en-US"/>
           </a:p>
@@ -608,7 +607,7 @@
           <a:p>
             <a:fld id="{F63CEDD3-0525-4453-AC94-ABA547278219}" type="datetimeFigureOut">
               <a:rPr lang="en-US" smtClean="0"/>
-              <a:t>9/22/23</a:t>
+              <a:t>11/10/23</a:t>
             </a:fld>
             <a:endParaRPr lang="en-US"/>
           </a:p>
@@ -778,7 +777,7 @@
           <a:p>
             <a:fld id="{F63CEDD3-0525-4453-AC94-ABA547278219}" type="datetimeFigureOut">
               <a:rPr lang="en-US" smtClean="0"/>
-              <a:t>9/22/23</a:t>
+              <a:t>11/10/23</a:t>
             </a:fld>
             <a:endParaRPr lang="en-US"/>
           </a:p>
@@ -958,7 +957,7 @@
           <a:p>
             <a:fld id="{F63CEDD3-0525-4453-AC94-ABA547278219}" type="datetimeFigureOut">
               <a:rPr lang="en-US" smtClean="0"/>
-              <a:t>9/22/23</a:t>
+              <a:t>11/10/23</a:t>
             </a:fld>
             <a:endParaRPr lang="en-US"/>
           </a:p>
@@ -1128,7 +1127,7 @@
           <a:p>
             <a:fld id="{F63CEDD3-0525-4453-AC94-ABA547278219}" type="datetimeFigureOut">
               <a:rPr lang="en-US" smtClean="0"/>
-              <a:t>9/22/23</a:t>
+              <a:t>11/10/23</a:t>
             </a:fld>
             <a:endParaRPr lang="en-US"/>
           </a:p>
@@ -1372,7 +1371,7 @@
           <a:p>
             <a:fld id="{F63CEDD3-0525-4453-AC94-ABA547278219}" type="datetimeFigureOut">
               <a:rPr lang="en-US" smtClean="0"/>
-              <a:t>9/22/23</a:t>
+              <a:t>11/10/23</a:t>
             </a:fld>
             <a:endParaRPr lang="en-US"/>
           </a:p>
@@ -1604,7 +1603,7 @@
           <a:p>
             <a:fld id="{F63CEDD3-0525-4453-AC94-ABA547278219}" type="datetimeFigureOut">
               <a:rPr lang="en-US" smtClean="0"/>
-              <a:t>9/22/23</a:t>
+              <a:t>11/10/23</a:t>
             </a:fld>
             <a:endParaRPr lang="en-US"/>
           </a:p>
@@ -1971,7 +1970,7 @@
           <a:p>
             <a:fld id="{F63CEDD3-0525-4453-AC94-ABA547278219}" type="datetimeFigureOut">
               <a:rPr lang="en-US" smtClean="0"/>
-              <a:t>9/22/23</a:t>
+              <a:t>11/10/23</a:t>
             </a:fld>
             <a:endParaRPr lang="en-US"/>
           </a:p>
@@ -2089,7 +2088,7 @@
           <a:p>
             <a:fld id="{F63CEDD3-0525-4453-AC94-ABA547278219}" type="datetimeFigureOut">
               <a:rPr lang="en-US" smtClean="0"/>
-              <a:t>9/22/23</a:t>
+              <a:t>11/10/23</a:t>
             </a:fld>
             <a:endParaRPr lang="en-US"/>
           </a:p>
@@ -2184,7 +2183,7 @@
           <a:p>
             <a:fld id="{F63CEDD3-0525-4453-AC94-ABA547278219}" type="datetimeFigureOut">
               <a:rPr lang="en-US" smtClean="0"/>
-              <a:t>9/22/23</a:t>
+              <a:t>11/10/23</a:t>
             </a:fld>
             <a:endParaRPr lang="en-US"/>
           </a:p>
@@ -2461,7 +2460,7 @@
           <a:p>
             <a:fld id="{F63CEDD3-0525-4453-AC94-ABA547278219}" type="datetimeFigureOut">
               <a:rPr lang="en-US" smtClean="0"/>
-              <a:t>9/22/23</a:t>
+              <a:t>11/10/23</a:t>
             </a:fld>
             <a:endParaRPr lang="en-US"/>
           </a:p>
@@ -2718,7 +2717,7 @@
           <a:p>
             <a:fld id="{F63CEDD3-0525-4453-AC94-ABA547278219}" type="datetimeFigureOut">
               <a:rPr lang="en-US" smtClean="0"/>
-              <a:t>9/22/23</a:t>
+              <a:t>11/10/23</a:t>
             </a:fld>
             <a:endParaRPr lang="en-US"/>
           </a:p>
@@ -2931,7 +2930,7 @@
           <a:p>
             <a:fld id="{F63CEDD3-0525-4453-AC94-ABA547278219}" type="datetimeFigureOut">
               <a:rPr lang="en-US" smtClean="0"/>
-              <a:t>9/22/23</a:t>
+              <a:t>11/10/23</a:t>
             </a:fld>
             <a:endParaRPr lang="en-US"/>
           </a:p>
@@ -3338,6 +3337,41 @@
       </p:grpSpPr>
       <p:pic>
         <p:nvPicPr>
+          <p:cNvPr id="5" name="Grafik 4">
+            <a:extLst>
+              <a:ext uri="{FF2B5EF4-FFF2-40B4-BE49-F238E27FC236}">
+                <a16:creationId xmlns:a16="http://schemas.microsoft.com/office/drawing/2014/main" id="{225D7071-D1ED-3BAE-47EC-94492BA597D9}"/>
+              </a:ext>
+            </a:extLst>
+          </p:cNvPr>
+          <p:cNvPicPr>
+            <a:picLocks noChangeAspect="1"/>
+          </p:cNvPicPr>
+          <p:nvPr/>
+        </p:nvPicPr>
+        <p:blipFill>
+          <a:blip r:embed="rId2">
+            <a:extLst>
+              <a:ext uri="{28A0092B-C50C-407E-A947-70E740481C1C}">
+                <a14:useLocalDpi xmlns:a14="http://schemas.microsoft.com/office/drawing/2010/main" val="0"/>
+              </a:ext>
+            </a:extLst>
+          </a:blip>
+          <a:srcRect/>
+          <a:stretch/>
+        </p:blipFill>
+        <p:spPr>
+          <a:xfrm>
+            <a:off x="651874" y="764534"/>
+            <a:ext cx="4043840" cy="5328929"/>
+          </a:xfrm>
+          <a:prstGeom prst="rect">
+            <a:avLst/>
+          </a:prstGeom>
+        </p:spPr>
+      </p:pic>
+      <p:pic>
+        <p:nvPicPr>
           <p:cNvPr id="4" name="Grafik 3" descr="Ein Bild, das Text enthält.&#10;&#10;Automatisch generierte Beschreibung">
             <a:extLst>
               <a:ext uri="{FF2B5EF4-FFF2-40B4-BE49-F238E27FC236}">
@@ -3351,7 +3385,7 @@
           <p:nvPr/>
         </p:nvPicPr>
         <p:blipFill>
-          <a:blip r:embed="rId2"/>
+          <a:blip r:embed="rId3"/>
           <a:stretch>
             <a:fillRect/>
           </a:stretch>
@@ -3369,37 +3403,7 @@
     </p:spTree>
     <p:extLst>
       <p:ext uri="{BB962C8B-B14F-4D97-AF65-F5344CB8AC3E}">
-        <p14:creationId xmlns:p14="http://schemas.microsoft.com/office/powerpoint/2010/main" val="191323627"/>
-      </p:ext>
-    </p:extLst>
-  </p:cSld>
-  <p:clrMapOvr>
-    <a:masterClrMapping/>
-  </p:clrMapOvr>
-</p:sld>
-</file>
-
-<file path=ppt/slides/slide2.xml><?xml version="1.0" encoding="utf-8"?>
-<p:sld xmlns:a="http://schemas.openxmlformats.org/drawingml/2006/main" xmlns:r="http://schemas.openxmlformats.org/officeDocument/2006/relationships" xmlns:p="http://schemas.openxmlformats.org/presentationml/2006/main">
-  <p:cSld>
-    <p:spTree>
-      <p:nvGrpSpPr>
-        <p:cNvPr id="1" name=""/>
-        <p:cNvGrpSpPr/>
-        <p:nvPr/>
-      </p:nvGrpSpPr>
-      <p:grpSpPr>
-        <a:xfrm>
-          <a:off x="0" y="0"/>
-          <a:ext cx="0" cy="0"/>
-          <a:chOff x="0" y="0"/>
-          <a:chExt cx="0" cy="0"/>
-        </a:xfrm>
-      </p:grpSpPr>
-    </p:spTree>
-    <p:extLst>
-      <p:ext uri="{BB962C8B-B14F-4D97-AF65-F5344CB8AC3E}">
-        <p14:creationId xmlns:p14="http://schemas.microsoft.com/office/powerpoint/2010/main" val="3214164407"/>
+        <p14:creationId xmlns:p14="http://schemas.microsoft.com/office/powerpoint/2010/main" val="3592899249"/>
       </p:ext>
     </p:extLst>
   </p:cSld>
